--- a/lesson-6/06-evaluating-model-fit.pptx
+++ b/lesson-6/06-evaluating-model-fit.pptx
@@ -270,6 +270,95 @@
     </p:ext>
   </p:extLst>
 </p:presentation>
+</file>
+
+<file path=ppt/commentAuthors.xml><?xml version="1.0" encoding="utf-8"?>
+<p:cmAuthorLst xmlns:a="http://schemas.openxmlformats.org/drawingml/2006/main" xmlns:r="http://schemas.openxmlformats.org/officeDocument/2006/relationships" xmlns:p="http://schemas.openxmlformats.org/presentationml/2006/main">
+  <p:cmAuthor id="1" name="Jamie Whitacre" initials="JW" lastIdx="1" clrIdx="0">
+    <p:extLst>
+      <p:ext uri="{19B8F6BF-5375-455C-9EA6-DF929625EA0E}">
+        <p15:presenceInfo xmlns:p15="http://schemas.microsoft.com/office/powerpoint/2012/main" userId="" providerId=""/>
+      </p:ext>
+    </p:extLst>
+  </p:cmAuthor>
+  <p:cmAuthor id="2" name="Jamie Whitacre" initials="JW [2]" lastIdx="1" clrIdx="1">
+    <p:extLst>
+      <p:ext uri="{19B8F6BF-5375-455C-9EA6-DF929625EA0E}">
+        <p15:presenceInfo xmlns:p15="http://schemas.microsoft.com/office/powerpoint/2012/main" userId="" providerId=""/>
+      </p:ext>
+    </p:extLst>
+  </p:cmAuthor>
+  <p:cmAuthor id="3" name="Jamie Whitacre" initials="JW [3]" lastIdx="1" clrIdx="2">
+    <p:extLst>
+      <p:ext uri="{19B8F6BF-5375-455C-9EA6-DF929625EA0E}">
+        <p15:presenceInfo xmlns:p15="http://schemas.microsoft.com/office/powerpoint/2012/main" userId="" providerId=""/>
+      </p:ext>
+    </p:extLst>
+  </p:cmAuthor>
+  <p:cmAuthor id="4" name="Jamie Whitacre" initials="JW [4]" lastIdx="1" clrIdx="3">
+    <p:extLst>
+      <p:ext uri="{19B8F6BF-5375-455C-9EA6-DF929625EA0E}">
+        <p15:presenceInfo xmlns:p15="http://schemas.microsoft.com/office/powerpoint/2012/main" userId="" providerId=""/>
+      </p:ext>
+    </p:extLst>
+  </p:cmAuthor>
+</p:cmAuthorLst>
+</file>
+
+<file path=ppt/comments/comment1.xml><?xml version="1.0" encoding="utf-8"?>
+<p:cmLst xmlns:a="http://schemas.openxmlformats.org/drawingml/2006/main" xmlns:r="http://schemas.openxmlformats.org/officeDocument/2006/relationships" xmlns:p="http://schemas.openxmlformats.org/presentationml/2006/main">
+  <p:cm authorId="1" dt="2017-03-02T19:10:08.232" idx="1">
+    <p:pos x="6010" y="3395"/>
+    <p:text>sum squared vs. mean squared.</p:text>
+    <p:extLst>
+      <p:ext uri="{C676402C-5697-4E1C-873F-D02D1690AC5C}">
+        <p15:threadingInfo xmlns:p15="http://schemas.microsoft.com/office/powerpoint/2012/main" timeZoneBias="480"/>
+      </p:ext>
+    </p:extLst>
+  </p:cm>
+</p:cmLst>
+</file>
+
+<file path=ppt/comments/comment2.xml><?xml version="1.0" encoding="utf-8"?>
+<p:cmLst xmlns:a="http://schemas.openxmlformats.org/drawingml/2006/main" xmlns:r="http://schemas.openxmlformats.org/officeDocument/2006/relationships" xmlns:p="http://schemas.openxmlformats.org/presentationml/2006/main">
+  <p:cm authorId="2" dt="2017-03-02T19:20:12.334" idx="1">
+    <p:pos x="3759" y="3234"/>
+    <p:text>Account for Bias</p:text>
+    <p:extLst>
+      <p:ext uri="{C676402C-5697-4E1C-873F-D02D1690AC5C}">
+        <p15:threadingInfo xmlns:p15="http://schemas.microsoft.com/office/powerpoint/2012/main" timeZoneBias="480"/>
+      </p:ext>
+    </p:extLst>
+  </p:cm>
+</p:cmLst>
+</file>
+
+<file path=ppt/comments/comment3.xml><?xml version="1.0" encoding="utf-8"?>
+<p:cmLst xmlns:a="http://schemas.openxmlformats.org/drawingml/2006/main" xmlns:r="http://schemas.openxmlformats.org/officeDocument/2006/relationships" xmlns:p="http://schemas.openxmlformats.org/presentationml/2006/main">
+  <p:cm authorId="3" dt="2017-03-02T19:22:59.129" idx="1">
+    <p:pos x="5336" y="1081"/>
+    <p:text>Use bikeshare model</p:text>
+    <p:extLst>
+      <p:ext uri="{C676402C-5697-4E1C-873F-D02D1690AC5C}">
+        <p15:threadingInfo xmlns:p15="http://schemas.microsoft.com/office/powerpoint/2012/main" timeZoneBias="480"/>
+      </p:ext>
+    </p:extLst>
+  </p:cm>
+</p:cmLst>
+</file>
+
+<file path=ppt/comments/comment4.xml><?xml version="1.0" encoding="utf-8"?>
+<p:cmLst xmlns:a="http://schemas.openxmlformats.org/drawingml/2006/main" xmlns:r="http://schemas.openxmlformats.org/officeDocument/2006/relationships" xmlns:p="http://schemas.openxmlformats.org/presentationml/2006/main">
+  <p:cm authorId="4" dt="2017-03-02T20:17:05.064" idx="1">
+    <p:pos x="1940" y="2223"/>
+    <p:text>alpha parameter will make a big difference. this is one way to filter through alpha parameters. </p:text>
+    <p:extLst>
+      <p:ext uri="{C676402C-5697-4E1C-873F-D02D1690AC5C}">
+        <p15:threadingInfo xmlns:p15="http://schemas.microsoft.com/office/powerpoint/2012/main" timeZoneBias="480"/>
+      </p:ext>
+    </p:extLst>
+  </p:cm>
+</p:cmLst>
 </file>
 
 <file path=ppt/notesMasters/notesMaster1.xml><?xml version="1.0" encoding="utf-8"?>
@@ -15505,7 +15594,7 @@
               <a:buNone/>
             </a:pPr>
             <a:r>
-              <a:rPr lang="en-US" sz="3200" b="1">
+              <a:rPr lang="en-US" sz="3200" b="1" dirty="0">
                 <a:latin typeface="Arial" charset="0"/>
                 <a:ea typeface="Arial" charset="0"/>
                 <a:cs typeface="Arial" charset="0"/>
@@ -15554,7 +15643,7 @@
               </a:spcBef>
               <a:buNone/>
             </a:pPr>
-            <a:endParaRPr sz="2400">
+            <a:endParaRPr sz="2400" dirty="0">
               <a:solidFill>
                 <a:srgbClr val="A71D5D"/>
               </a:solidFill>
@@ -34585,16 +34674,7 @@
                 <a:cs typeface="Georgia"/>
                 <a:sym typeface="Georgia"/>
               </a:rPr>
-              <a:t>Homework</a:t>
-            </a:r>
-            <a:r>
-              <a:rPr lang="en-US" sz="2800" dirty="0" smtClean="0">
-                <a:latin typeface="Georgia"/>
-                <a:ea typeface="Georgia"/>
-                <a:cs typeface="Georgia"/>
-                <a:sym typeface="Georgia"/>
-              </a:rPr>
-              <a:t>: Lesson 6</a:t>
+              <a:t>Homework: Lesson 6</a:t>
             </a:r>
             <a:endParaRPr lang="en-US" sz="2800" dirty="0">
               <a:latin typeface="Georgia"/>
